--- a/M1/Skill/8-Gitignore/les8 gitignore.pptx
+++ b/M1/Skill/8-Gitignore/les8 gitignore.pptx
@@ -111,6 +111,11 @@
       </a:defRPr>
     </a:lvl9pPr>
   </p:defaultTextStyle>
+  <p:extLst>
+    <p:ext uri="{EFAFB233-063F-42B5-8137-9DF3F51BA10A}">
+      <p15:sldGuideLst xmlns:p15="http://schemas.microsoft.com/office/powerpoint/2012/main"/>
+    </p:ext>
+  </p:extLst>
 </p:presentation>
 </file>
 
@@ -3873,6 +3878,105 @@
               <a:t> van Unity</a:t>
             </a:r>
           </a:p>
+          <a:p>
+            <a:r>
+              <a:rPr lang="en-US" dirty="0" err="1"/>
+              <a:t>Bestanden</a:t>
+            </a:r>
+            <a:r>
+              <a:rPr lang="en-US" dirty="0"/>
+              <a:t> die </a:t>
+            </a:r>
+            <a:r>
+              <a:rPr lang="en-US" dirty="0" err="1"/>
+              <a:t>te</a:t>
+            </a:r>
+            <a:r>
+              <a:rPr lang="en-US" dirty="0"/>
+              <a:t> </a:t>
+            </a:r>
+            <a:r>
+              <a:rPr lang="en-US" dirty="0" err="1"/>
+              <a:t>groot</a:t>
+            </a:r>
+            <a:r>
+              <a:rPr lang="en-US" dirty="0"/>
+              <a:t> </a:t>
+            </a:r>
+            <a:r>
+              <a:rPr lang="en-US" dirty="0" err="1"/>
+              <a:t>zijn</a:t>
+            </a:r>
+            <a:endParaRPr lang="en-US" dirty="0"/>
+          </a:p>
+          <a:p>
+            <a:pPr lvl="1"/>
+            <a:r>
+              <a:rPr lang="en-US" dirty="0" err="1"/>
+              <a:t>Bestanden</a:t>
+            </a:r>
+            <a:r>
+              <a:rPr lang="en-US" dirty="0"/>
+              <a:t> </a:t>
+            </a:r>
+            <a:r>
+              <a:rPr lang="en-US" dirty="0" err="1"/>
+              <a:t>groter</a:t>
+            </a:r>
+            <a:r>
+              <a:rPr lang="en-US" dirty="0"/>
+              <a:t> dan 100 MB laten git </a:t>
+            </a:r>
+            <a:r>
+              <a:rPr lang="en-US" dirty="0" err="1"/>
+              <a:t>vastlopen</a:t>
+            </a:r>
+            <a:endParaRPr lang="en-US" dirty="0"/>
+          </a:p>
+          <a:p>
+            <a:pPr lvl="1"/>
+            <a:r>
+              <a:rPr lang="en-US" dirty="0" err="1"/>
+              <a:t>Kijk</a:t>
+            </a:r>
+            <a:r>
+              <a:rPr lang="en-US" dirty="0"/>
+              <a:t> </a:t>
+            </a:r>
+            <a:r>
+              <a:rPr lang="en-US" dirty="0" err="1"/>
+              <a:t>uit</a:t>
+            </a:r>
+            <a:r>
+              <a:rPr lang="en-US" dirty="0"/>
+              <a:t> met </a:t>
+            </a:r>
+            <a:r>
+              <a:rPr lang="en-US" dirty="0" err="1"/>
+              <a:t>bijvoorbeeld</a:t>
+            </a:r>
+            <a:r>
+              <a:rPr lang="en-US" dirty="0"/>
+              <a:t> Photoshop-</a:t>
+            </a:r>
+            <a:r>
+              <a:rPr lang="en-US" dirty="0" err="1"/>
+              <a:t>bestanden</a:t>
+            </a:r>
+            <a:r>
+              <a:rPr lang="en-US" dirty="0"/>
+              <a:t> (.</a:t>
+            </a:r>
+            <a:r>
+              <a:rPr lang="en-US" dirty="0" err="1"/>
+              <a:t>psd</a:t>
+            </a:r>
+            <a:r>
+              <a:rPr lang="en-US"/>
+              <a:t>) </a:t>
+            </a:r>
+            <a:endParaRPr lang="en-US" dirty="0"/>
+          </a:p>
         </p:txBody>
       </p:sp>
     </p:spTree>
@@ -4371,19 +4475,8 @@
                 <a:latin typeface="+mj-lt"/>
                 <a:cs typeface="Courier New" panose="02070309020205020404" pitchFamily="49" charset="0"/>
               </a:rPr>
-              <a:t>[Vv</a:t>
-            </a:r>
-            <a:r>
-              <a:rPr lang="nl-NL" b="1">
-                <a:latin typeface="+mj-lt"/>
-                <a:cs typeface="Courier New" panose="02070309020205020404" pitchFamily="49" charset="0"/>
-              </a:rPr>
-              <a:t>]oorbeeld</a:t>
-            </a:r>
-            <a:endParaRPr lang="nl-NL" b="1" dirty="0">
-              <a:latin typeface="+mj-lt"/>
-              <a:cs typeface="Courier New" panose="02070309020205020404" pitchFamily="49" charset="0"/>
-            </a:endParaRPr>
+              <a:t>[Vv]oorbeeld</a:t>
+            </a:r>
           </a:p>
         </p:txBody>
       </p:sp>
